--- a/presentation/apresentção MATCHPET.pptx
+++ b/presentation/apresentção MATCHPET.pptx
@@ -113,6 +113,11 @@
       </a:defRPr>
     </a:lvl9pPr>
   </p:defaultTextStyle>
+  <p:extLst>
+    <p:ext uri="{EFAFB233-063F-42B5-8137-9DF3F51BA10A}">
+      <p15:sldGuideLst xmlns:p15="http://schemas.microsoft.com/office/powerpoint/2012/main"/>
+    </p:ext>
+  </p:extLst>
 </p:presentation>
 </file>
 
@@ -3769,10 +3774,10 @@
       </p:sp>
       <p:pic>
         <p:nvPicPr>
-          <p:cNvPr id="5" name="Espaço Reservado para Conteúdo 4">
-            <a:extLst>
-              <a:ext uri="{FF2B5EF4-FFF2-40B4-BE49-F238E27FC236}">
-                <a16:creationId xmlns:a16="http://schemas.microsoft.com/office/drawing/2014/main" id="{3E0FB7AA-3787-6D46-BAF3-71D9A8B2FB48}"/>
+          <p:cNvPr id="7" name="Espaço Reservado para Conteúdo 6">
+            <a:extLst>
+              <a:ext uri="{FF2B5EF4-FFF2-40B4-BE49-F238E27FC236}">
+                <a16:creationId xmlns:a16="http://schemas.microsoft.com/office/drawing/2014/main" id="{EA920537-8A97-2E9F-A428-8B42B1EB1FEA}"/>
               </a:ext>
             </a:extLst>
           </p:cNvPr>
@@ -3859,10 +3864,10 @@
       </p:sp>
       <p:pic>
         <p:nvPicPr>
-          <p:cNvPr id="5" name="Espaço Reservado para Conteúdo 4">
-            <a:extLst>
-              <a:ext uri="{FF2B5EF4-FFF2-40B4-BE49-F238E27FC236}">
-                <a16:creationId xmlns:a16="http://schemas.microsoft.com/office/drawing/2014/main" id="{36F84DC0-822D-17CB-9BF6-D2C90CDA5609}"/>
+          <p:cNvPr id="7" name="Espaço Reservado para Conteúdo 6">
+            <a:extLst>
+              <a:ext uri="{FF2B5EF4-FFF2-40B4-BE49-F238E27FC236}">
+                <a16:creationId xmlns:a16="http://schemas.microsoft.com/office/drawing/2014/main" id="{C0DF60D8-0DFC-C411-D368-0BB698603F9A}"/>
               </a:ext>
             </a:extLst>
           </p:cNvPr>
